--- a/PPT - Social Buzz Project.pptx
+++ b/PPT - Social Buzz Project.pptx
@@ -7213,7 +7213,7 @@
             </a:pPr>
             <a:r>
               <a:rPr lang="en-GB" sz="2500" dirty="0"/>
-              <a:t>Social Buzz needs an algorithm to ensure that there is a fair balance between categories in order to avoid an issue where 1 content category consumes the entire platform.</a:t>
+              <a:t>Social Buzz needs an algorithm to ensure that there is a fair balance between categories in order to avoid an issue where one content category consumes the entire platform.</a:t>
             </a:r>
             <a:endParaRPr lang="en-ID" sz="2500" dirty="0"/>
           </a:p>
@@ -7912,7 +7912,14 @@
             </a:r>
           </a:p>
           <a:p>
-            <a:endParaRPr lang="en-GB" sz="2500" dirty="0"/>
+            <a:pPr marL="342900" indent="-342900">
+              <a:buFont typeface="Arial" panose="020B0604020202020204" pitchFamily="34" charset="0"/>
+              <a:buChar char="•"/>
+            </a:pPr>
+            <a:r>
+              <a:rPr lang="en-GB" sz="2500" dirty="0"/>
+              <a:t>Collaborate with big-tech company to gain more user engagements.</a:t>
+            </a:r>
           </a:p>
           <a:p>
             <a:pPr marL="342900" indent="-342900">
@@ -16083,7 +16090,7 @@
         <p:grpSpPr>
           <a:xfrm>
             <a:off x="3667111" y="1104900"/>
-            <a:ext cx="4714889" cy="1905000"/>
+            <a:ext cx="12365081" cy="1905000"/>
             <a:chOff x="2251720" y="1562100"/>
             <a:chExt cx="14893280" cy="1524000"/>
           </a:xfrm>
